--- a/114-2坦克fighting.pptx
+++ b/114-2坦克fighting.pptx
@@ -5,7 +5,7 @@
     <p:sldMasterId id="2147483660" r:id="rId1"/>
   </p:sldMasterIdLst>
   <p:notesMasterIdLst>
-    <p:notesMasterId r:id="rId12"/>
+    <p:notesMasterId r:id="rId13"/>
   </p:notesMasterIdLst>
   <p:sldIdLst>
     <p:sldId id="256" r:id="rId2"/>
@@ -18,6 +18,7 @@
     <p:sldId id="265" r:id="rId9"/>
     <p:sldId id="266" r:id="rId10"/>
     <p:sldId id="267" r:id="rId11"/>
+    <p:sldId id="268" r:id="rId12"/>
   </p:sldIdLst>
   <p:sldSz cx="12192000" cy="6858000"/>
   <p:notesSz cx="6858000" cy="9144000"/>
@@ -218,7 +219,7 @@
           <a:p>
             <a:fld id="{6EE9575E-4031-488E-9460-E7913FE069FD}" type="datetimeFigureOut">
               <a:rPr lang="zh-TW" altLang="en-US" smtClean="0"/>
-              <a:t>2025/11/27</a:t>
+              <a:t>2025/12/11</a:t>
             </a:fld>
             <a:endParaRPr lang="zh-TW" altLang="en-US"/>
           </a:p>
@@ -725,7 +726,7 @@
           <a:p>
             <a:fld id="{4004B302-8167-434D-9FEA-932B89CEE156}" type="datetimeFigureOut">
               <a:rPr lang="zh-TW" altLang="en-US" smtClean="0"/>
-              <a:t>2025/11/27</a:t>
+              <a:t>2025/12/11</a:t>
             </a:fld>
             <a:endParaRPr lang="zh-TW" altLang="en-US"/>
           </a:p>
@@ -933,7 +934,7 @@
           <a:p>
             <a:fld id="{4004B302-8167-434D-9FEA-932B89CEE156}" type="datetimeFigureOut">
               <a:rPr lang="zh-TW" altLang="en-US" smtClean="0"/>
-              <a:t>2025/11/27</a:t>
+              <a:t>2025/12/11</a:t>
             </a:fld>
             <a:endParaRPr lang="zh-TW" altLang="en-US"/>
           </a:p>
@@ -1189,7 +1190,7 @@
           <a:p>
             <a:fld id="{4004B302-8167-434D-9FEA-932B89CEE156}" type="datetimeFigureOut">
               <a:rPr lang="zh-TW" altLang="en-US" smtClean="0"/>
-              <a:t>2025/11/27</a:t>
+              <a:t>2025/12/11</a:t>
             </a:fld>
             <a:endParaRPr lang="zh-TW" altLang="en-US"/>
           </a:p>
@@ -1363,7 +1364,7 @@
           <a:p>
             <a:fld id="{4004B302-8167-434D-9FEA-932B89CEE156}" type="datetimeFigureOut">
               <a:rPr lang="zh-TW" altLang="en-US" smtClean="0"/>
-              <a:t>2025/11/27</a:t>
+              <a:t>2025/12/11</a:t>
             </a:fld>
             <a:endParaRPr lang="zh-TW" altLang="en-US"/>
           </a:p>
@@ -1706,7 +1707,7 @@
           <a:p>
             <a:fld id="{4004B302-8167-434D-9FEA-932B89CEE156}" type="datetimeFigureOut">
               <a:rPr lang="zh-TW" altLang="en-US" smtClean="0"/>
-              <a:t>2025/11/27</a:t>
+              <a:t>2025/12/11</a:t>
             </a:fld>
             <a:endParaRPr lang="zh-TW" altLang="en-US"/>
           </a:p>
@@ -1981,7 +1982,7 @@
           <a:p>
             <a:fld id="{4004B302-8167-434D-9FEA-932B89CEE156}" type="datetimeFigureOut">
               <a:rPr lang="zh-TW" altLang="en-US" smtClean="0"/>
-              <a:t>2025/11/27</a:t>
+              <a:t>2025/12/11</a:t>
             </a:fld>
             <a:endParaRPr lang="zh-TW" altLang="en-US"/>
           </a:p>
@@ -2360,7 +2361,7 @@
           <a:p>
             <a:fld id="{4004B302-8167-434D-9FEA-932B89CEE156}" type="datetimeFigureOut">
               <a:rPr lang="zh-TW" altLang="en-US" smtClean="0"/>
-              <a:t>2025/11/27</a:t>
+              <a:t>2025/12/11</a:t>
             </a:fld>
             <a:endParaRPr lang="zh-TW" altLang="en-US"/>
           </a:p>
@@ -2478,7 +2479,7 @@
           <a:p>
             <a:fld id="{4004B302-8167-434D-9FEA-932B89CEE156}" type="datetimeFigureOut">
               <a:rPr lang="zh-TW" altLang="en-US" smtClean="0"/>
-              <a:t>2025/11/27</a:t>
+              <a:t>2025/12/11</a:t>
             </a:fld>
             <a:endParaRPr lang="zh-TW" altLang="en-US"/>
           </a:p>
@@ -2649,7 +2650,7 @@
           <a:p>
             <a:fld id="{4004B302-8167-434D-9FEA-932B89CEE156}" type="datetimeFigureOut">
               <a:rPr lang="zh-TW" altLang="en-US" smtClean="0"/>
-              <a:t>2025/11/27</a:t>
+              <a:t>2025/12/11</a:t>
             </a:fld>
             <a:endParaRPr lang="zh-TW" altLang="en-US"/>
           </a:p>
@@ -3003,7 +3004,7 @@
           <a:p>
             <a:fld id="{4004B302-8167-434D-9FEA-932B89CEE156}" type="datetimeFigureOut">
               <a:rPr lang="zh-TW" altLang="en-US" smtClean="0"/>
-              <a:t>2025/11/27</a:t>
+              <a:t>2025/12/11</a:t>
             </a:fld>
             <a:endParaRPr lang="zh-TW" altLang="en-US"/>
           </a:p>
@@ -3385,7 +3386,7 @@
           <a:p>
             <a:fld id="{4004B302-8167-434D-9FEA-932B89CEE156}" type="datetimeFigureOut">
               <a:rPr lang="zh-TW" altLang="en-US" smtClean="0"/>
-              <a:t>2025/11/27</a:t>
+              <a:t>2025/12/11</a:t>
             </a:fld>
             <a:endParaRPr lang="zh-TW" altLang="en-US"/>
           </a:p>
@@ -3686,7 +3687,7 @@
           <a:p>
             <a:fld id="{4004B302-8167-434D-9FEA-932B89CEE156}" type="datetimeFigureOut">
               <a:rPr lang="zh-TW" altLang="en-US" smtClean="0"/>
-              <a:t>2025/11/27</a:t>
+              <a:t>2025/12/11</a:t>
             </a:fld>
             <a:endParaRPr lang="zh-TW" altLang="en-US"/>
           </a:p>
@@ -4780,10 +4781,10 @@
       </p:sp>
       <p:pic>
         <p:nvPicPr>
-          <p:cNvPr id="9" name="圖片 8">
+          <p:cNvPr id="5" name="圖片 4">
             <a:extLst>
               <a:ext uri="{FF2B5EF4-FFF2-40B4-BE49-F238E27FC236}">
-                <a16:creationId xmlns:a16="http://schemas.microsoft.com/office/drawing/2014/main" id="{298B7E27-A76C-1DD9-6703-63FDEC3662DC}"/>
+                <a16:creationId xmlns:a16="http://schemas.microsoft.com/office/drawing/2014/main" id="{5B1DA1E1-CB1A-439A-16B6-80CB4716B568}"/>
               </a:ext>
             </a:extLst>
           </p:cNvPr>
@@ -4800,8 +4801,8 @@
         </p:blipFill>
         <p:spPr>
           <a:xfrm>
-            <a:off x="4489401" y="628040"/>
-            <a:ext cx="7309466" cy="5106398"/>
+            <a:off x="4250145" y="1324667"/>
+            <a:ext cx="7675555" cy="4331550"/>
           </a:xfrm>
           <a:prstGeom prst="rect">
             <a:avLst/>
@@ -5011,6 +5012,235 @@
   <p:clrMapOvr>
     <a:masterClrMapping/>
   </p:clrMapOvr>
+</p:sld>
+</file>
+
+<file path=ppt/slides/slide11.xml><?xml version="1.0" encoding="utf-8"?>
+<p:sld xmlns:a="http://schemas.openxmlformats.org/drawingml/2006/main" xmlns:r="http://schemas.openxmlformats.org/officeDocument/2006/relationships" xmlns:p="http://schemas.openxmlformats.org/presentationml/2006/main">
+  <p:cSld>
+    <p:spTree>
+      <p:nvGrpSpPr>
+        <p:cNvPr id="1" name=""/>
+        <p:cNvGrpSpPr/>
+        <p:nvPr/>
+      </p:nvGrpSpPr>
+      <p:grpSpPr>
+        <a:xfrm>
+          <a:off x="0" y="0"/>
+          <a:ext cx="0" cy="0"/>
+          <a:chOff x="0" y="0"/>
+          <a:chExt cx="0" cy="0"/>
+        </a:xfrm>
+      </p:grpSpPr>
+      <p:sp>
+        <p:nvSpPr>
+          <p:cNvPr id="2" name="標題 1">
+            <a:extLst>
+              <a:ext uri="{FF2B5EF4-FFF2-40B4-BE49-F238E27FC236}">
+                <a16:creationId xmlns:a16="http://schemas.microsoft.com/office/drawing/2014/main" id="{10476B69-8BE2-3A1C-DFBE-9DE99623A4FE}"/>
+              </a:ext>
+            </a:extLst>
+          </p:cNvPr>
+          <p:cNvSpPr>
+            <a:spLocks noGrp="1"/>
+          </p:cNvSpPr>
+          <p:nvPr>
+            <p:ph type="title"/>
+          </p:nvPr>
+        </p:nvSpPr>
+        <p:spPr/>
+        <p:txBody>
+          <a:bodyPr/>
+          <a:lstStyle/>
+          <a:p>
+            <a:r>
+              <a:rPr lang="zh-TW" altLang="en-US" dirty="0"/>
+              <a:t>遊玩畫面</a:t>
+            </a:r>
+          </a:p>
+        </p:txBody>
+      </p:sp>
+      <p:pic>
+        <p:nvPicPr>
+          <p:cNvPr id="4" name="坦克大戰 - Green vs Blue 2025-12-11 13-31-47">
+            <a:hlinkClick r:id="" action="ppaction://media"/>
+            <a:extLst>
+              <a:ext uri="{FF2B5EF4-FFF2-40B4-BE49-F238E27FC236}">
+                <a16:creationId xmlns:a16="http://schemas.microsoft.com/office/drawing/2014/main" id="{BD643EC8-BDBB-C75A-A7E2-ACF0B8C0B9F1}"/>
+              </a:ext>
+            </a:extLst>
+          </p:cNvPr>
+          <p:cNvPicPr>
+            <a:picLocks noGrp="1" noChangeAspect="1"/>
+          </p:cNvPicPr>
+          <p:nvPr>
+            <p:ph idx="1"/>
+            <a:videoFile r:link="rId2"/>
+            <p:extLst>
+              <p:ext uri="{DAA4B4D4-6D71-4841-9C94-3DE7FCFB9230}">
+                <p14:media xmlns:p14="http://schemas.microsoft.com/office/powerpoint/2010/main" r:embed="rId1"/>
+              </p:ext>
+            </p:extLst>
+          </p:nvPr>
+        </p:nvPicPr>
+        <p:blipFill>
+          <a:blip r:embed="rId4"/>
+          <a:stretch>
+            <a:fillRect/>
+          </a:stretch>
+        </p:blipFill>
+        <p:spPr>
+          <a:xfrm>
+            <a:off x="2550636" y="2011725"/>
+            <a:ext cx="7151688" cy="4022725"/>
+          </a:xfrm>
+        </p:spPr>
+      </p:pic>
+    </p:spTree>
+    <p:extLst>
+      <p:ext uri="{BB962C8B-B14F-4D97-AF65-F5344CB8AC3E}">
+        <p14:creationId xmlns:p14="http://schemas.microsoft.com/office/powerpoint/2010/main" val="3379977616"/>
+      </p:ext>
+    </p:extLst>
+  </p:cSld>
+  <p:clrMapOvr>
+    <a:masterClrMapping/>
+  </p:clrMapOvr>
+  <p:timing>
+    <p:tnLst>
+      <p:par>
+        <p:cTn id="1" dur="indefinite" restart="never" nodeType="tmRoot">
+          <p:childTnLst>
+            <p:seq concurrent="1" nextAc="seek">
+              <p:cTn id="2" dur="indefinite" nodeType="mainSeq">
+                <p:childTnLst>
+                  <p:par>
+                    <p:cTn id="3" fill="hold">
+                      <p:stCondLst>
+                        <p:cond delay="indefinite"/>
+                      </p:stCondLst>
+                      <p:childTnLst>
+                        <p:par>
+                          <p:cTn id="4" fill="hold">
+                            <p:stCondLst>
+                              <p:cond delay="0"/>
+                            </p:stCondLst>
+                            <p:childTnLst>
+                              <p:par>
+                                <p:cTn id="5" presetID="1" presetClass="mediacall" presetSubtype="0" fill="hold" nodeType="clickEffect">
+                                  <p:stCondLst>
+                                    <p:cond delay="0"/>
+                                  </p:stCondLst>
+                                  <p:childTnLst>
+                                    <p:cmd type="call" cmd="playFrom(0.0)">
+                                      <p:cBhvr>
+                                        <p:cTn id="6" dur="36549" fill="hold"/>
+                                        <p:tgtEl>
+                                          <p:spTgt spid="4"/>
+                                        </p:tgtEl>
+                                      </p:cBhvr>
+                                    </p:cmd>
+                                  </p:childTnLst>
+                                </p:cTn>
+                              </p:par>
+                            </p:childTnLst>
+                          </p:cTn>
+                        </p:par>
+                      </p:childTnLst>
+                    </p:cTn>
+                  </p:par>
+                </p:childTnLst>
+              </p:cTn>
+              <p:prevCondLst>
+                <p:cond evt="onPrev" delay="0">
+                  <p:tgtEl>
+                    <p:sldTgt/>
+                  </p:tgtEl>
+                </p:cond>
+              </p:prevCondLst>
+              <p:nextCondLst>
+                <p:cond evt="onNext" delay="0">
+                  <p:tgtEl>
+                    <p:sldTgt/>
+                  </p:tgtEl>
+                </p:cond>
+              </p:nextCondLst>
+            </p:seq>
+            <p:video>
+              <p:cMediaNode vol="80000">
+                <p:cTn id="7" fill="hold" display="0">
+                  <p:stCondLst>
+                    <p:cond delay="indefinite"/>
+                  </p:stCondLst>
+                </p:cTn>
+                <p:tgtEl>
+                  <p:spTgt spid="4"/>
+                </p:tgtEl>
+              </p:cMediaNode>
+            </p:video>
+            <p:seq concurrent="1" nextAc="seek">
+              <p:cTn id="8" restart="whenNotActive" fill="hold" evtFilter="cancelBubble" nodeType="interactiveSeq">
+                <p:stCondLst>
+                  <p:cond evt="onClick" delay="0">
+                    <p:tgtEl>
+                      <p:spTgt spid="4"/>
+                    </p:tgtEl>
+                  </p:cond>
+                </p:stCondLst>
+                <p:endSync evt="end" delay="0">
+                  <p:rtn val="all"/>
+                </p:endSync>
+                <p:childTnLst>
+                  <p:par>
+                    <p:cTn id="9" fill="hold">
+                      <p:stCondLst>
+                        <p:cond delay="0"/>
+                      </p:stCondLst>
+                      <p:childTnLst>
+                        <p:par>
+                          <p:cTn id="10" fill="hold">
+                            <p:stCondLst>
+                              <p:cond delay="0"/>
+                            </p:stCondLst>
+                            <p:childTnLst>
+                              <p:par>
+                                <p:cTn id="11" presetID="2" presetClass="mediacall" presetSubtype="0" fill="hold" nodeType="clickEffect">
+                                  <p:stCondLst>
+                                    <p:cond delay="0"/>
+                                  </p:stCondLst>
+                                  <p:childTnLst>
+                                    <p:cmd type="call" cmd="togglePause">
+                                      <p:cBhvr>
+                                        <p:cTn id="12" dur="1" fill="hold"/>
+                                        <p:tgtEl>
+                                          <p:spTgt spid="4"/>
+                                        </p:tgtEl>
+                                      </p:cBhvr>
+                                    </p:cmd>
+                                  </p:childTnLst>
+                                </p:cTn>
+                              </p:par>
+                            </p:childTnLst>
+                          </p:cTn>
+                        </p:par>
+                      </p:childTnLst>
+                    </p:cTn>
+                  </p:par>
+                </p:childTnLst>
+              </p:cTn>
+              <p:nextCondLst>
+                <p:cond evt="onClick" delay="0">
+                  <p:tgtEl>
+                    <p:spTgt spid="4"/>
+                  </p:tgtEl>
+                </p:cond>
+              </p:nextCondLst>
+            </p:seq>
+          </p:childTnLst>
+        </p:cTn>
+      </p:par>
+    </p:tnLst>
+  </p:timing>
 </p:sld>
 </file>
 
